--- a/generator/formatPpt2.pptx
+++ b/generator/formatPpt2.pptx
@@ -313,7 +313,7 @@
             <a:pPr algn="r">
               <a:buNone/>
             </a:pPr>
-            <a:fld id="{29962DBE-8716-42DE-BFD6-55A7206D39E5}" type="slidenum">
+            <a:fld id="{112BBBCD-DFB9-48B9-93C3-52DC863959D0}" type="slidenum">
               <a:rPr b="0" lang="en-US" sz="1400" spc="-1" strike="noStrike">
                 <a:latin typeface="Times New Roman"/>
               </a:rPr>
@@ -361,7 +361,7 @@
         <p:spPr>
           <a:xfrm>
             <a:off x="685800" y="1143000"/>
-            <a:ext cx="5485680" cy="3085560"/>
+            <a:ext cx="5485320" cy="3085200"/>
           </a:xfrm>
           <a:prstGeom prst="rect">
             <a:avLst/>
@@ -384,7 +384,7 @@
         <p:spPr>
           <a:xfrm>
             <a:off x="685800" y="4400640"/>
-            <a:ext cx="5485680" cy="3599640"/>
+            <a:ext cx="5485320" cy="3599280"/>
           </a:xfrm>
           <a:prstGeom prst="rect">
             <a:avLst/>
@@ -418,7 +418,7 @@
         <p:spPr>
           <a:xfrm>
             <a:off x="3884760" y="8685360"/>
-            <a:ext cx="2971080" cy="457920"/>
+            <a:ext cx="2970720" cy="457560"/>
           </a:xfrm>
           <a:prstGeom prst="rect">
             <a:avLst/>
@@ -450,7 +450,7 @@
               </a:lnSpc>
               <a:buNone/>
             </a:pPr>
-            <a:fld id="{D8BEB101-0A4B-45B2-9DE7-84373F2A9C39}" type="slidenum">
+            <a:fld id="{BAF57BC6-267A-46AF-90D8-1F34A9540B58}" type="slidenum">
               <a:rPr b="0" lang="en-US" sz="1200" spc="-1" strike="noStrike">
                 <a:latin typeface="Times New Roman"/>
               </a:rPr>
@@ -497,7 +497,7 @@
         <p:spPr>
           <a:xfrm>
             <a:off x="685800" y="1143000"/>
-            <a:ext cx="5485680" cy="3085560"/>
+            <a:ext cx="5485320" cy="3085200"/>
           </a:xfrm>
           <a:prstGeom prst="rect">
             <a:avLst/>
@@ -520,7 +520,7 @@
         <p:spPr>
           <a:xfrm>
             <a:off x="685800" y="4400640"/>
-            <a:ext cx="5485680" cy="3599640"/>
+            <a:ext cx="5485320" cy="3599280"/>
           </a:xfrm>
           <a:prstGeom prst="rect">
             <a:avLst/>
@@ -554,7 +554,7 @@
         <p:spPr>
           <a:xfrm>
             <a:off x="3884760" y="8685360"/>
-            <a:ext cx="2971080" cy="457920"/>
+            <a:ext cx="2970720" cy="457560"/>
           </a:xfrm>
           <a:prstGeom prst="rect">
             <a:avLst/>
@@ -586,7 +586,7 @@
               </a:lnSpc>
               <a:buNone/>
             </a:pPr>
-            <a:fld id="{3EB99ECA-F720-4718-8998-5D023FA1D976}" type="slidenum">
+            <a:fld id="{806180B8-4581-421B-8DEB-73AD179973D8}" type="slidenum">
               <a:rPr b="0" lang="en-US" sz="1200" spc="-1" strike="noStrike">
                 <a:latin typeface="Times New Roman"/>
               </a:rPr>
@@ -633,7 +633,7 @@
         <p:spPr>
           <a:xfrm>
             <a:off x="685800" y="1143000"/>
-            <a:ext cx="5485680" cy="3085560"/>
+            <a:ext cx="5485320" cy="3085200"/>
           </a:xfrm>
           <a:prstGeom prst="rect">
             <a:avLst/>
@@ -656,7 +656,7 @@
         <p:spPr>
           <a:xfrm>
             <a:off x="685800" y="4400640"/>
-            <a:ext cx="5485680" cy="3599640"/>
+            <a:ext cx="5485320" cy="3599280"/>
           </a:xfrm>
           <a:prstGeom prst="rect">
             <a:avLst/>
@@ -690,7 +690,7 @@
         <p:spPr>
           <a:xfrm>
             <a:off x="3884760" y="8685360"/>
-            <a:ext cx="2971080" cy="457920"/>
+            <a:ext cx="2970720" cy="457560"/>
           </a:xfrm>
           <a:prstGeom prst="rect">
             <a:avLst/>
@@ -722,7 +722,7 @@
               </a:lnSpc>
               <a:buNone/>
             </a:pPr>
-            <a:fld id="{8B1A463B-37AE-4180-A388-8FA71542A639}" type="slidenum">
+            <a:fld id="{D2D302C2-1B9A-460B-BCDF-23D4328D5B54}" type="slidenum">
               <a:rPr b="0" lang="en-US" sz="1200" spc="-1" strike="noStrike">
                 <a:latin typeface="Times New Roman"/>
               </a:rPr>
@@ -769,7 +769,7 @@
         <p:spPr>
           <a:xfrm>
             <a:off x="685800" y="1143000"/>
-            <a:ext cx="5485680" cy="3085560"/>
+            <a:ext cx="5485320" cy="3085200"/>
           </a:xfrm>
           <a:prstGeom prst="rect">
             <a:avLst/>
@@ -792,7 +792,7 @@
         <p:spPr>
           <a:xfrm>
             <a:off x="685800" y="4400640"/>
-            <a:ext cx="5485680" cy="3599640"/>
+            <a:ext cx="5485320" cy="3599280"/>
           </a:xfrm>
           <a:prstGeom prst="rect">
             <a:avLst/>
@@ -826,7 +826,7 @@
         <p:spPr>
           <a:xfrm>
             <a:off x="3884760" y="8685360"/>
-            <a:ext cx="2971080" cy="457920"/>
+            <a:ext cx="2970720" cy="457560"/>
           </a:xfrm>
           <a:prstGeom prst="rect">
             <a:avLst/>
@@ -858,7 +858,7 @@
               </a:lnSpc>
               <a:buNone/>
             </a:pPr>
-            <a:fld id="{0BAF11E1-1A4D-459A-B07D-F9B08BE4720F}" type="slidenum">
+            <a:fld id="{1CAAE24D-AED7-4BB3-9945-B63D0CD30857}" type="slidenum">
               <a:rPr b="0" lang="en-US" sz="1200" spc="-1" strike="noStrike">
                 <a:latin typeface="Times New Roman"/>
               </a:rPr>
@@ -905,7 +905,7 @@
         <p:spPr>
           <a:xfrm>
             <a:off x="685800" y="1143000"/>
-            <a:ext cx="5485680" cy="3085560"/>
+            <a:ext cx="5485320" cy="3085200"/>
           </a:xfrm>
           <a:prstGeom prst="rect">
             <a:avLst/>
@@ -928,7 +928,7 @@
         <p:spPr>
           <a:xfrm>
             <a:off x="685800" y="4400640"/>
-            <a:ext cx="5485680" cy="3599640"/>
+            <a:ext cx="5485320" cy="3599280"/>
           </a:xfrm>
           <a:prstGeom prst="rect">
             <a:avLst/>
@@ -962,7 +962,7 @@
         <p:spPr>
           <a:xfrm>
             <a:off x="3884760" y="8685360"/>
-            <a:ext cx="2971080" cy="457920"/>
+            <a:ext cx="2970720" cy="457560"/>
           </a:xfrm>
           <a:prstGeom prst="rect">
             <a:avLst/>
@@ -994,7 +994,7 @@
               </a:lnSpc>
               <a:buNone/>
             </a:pPr>
-            <a:fld id="{F0484AAE-C02B-4106-A052-294679DF36E3}" type="slidenum">
+            <a:fld id="{BF0F401F-6C0D-4AA9-A8DD-5FAE915F1D46}" type="slidenum">
               <a:rPr b="0" lang="en-US" sz="1200" spc="-1" strike="noStrike">
                 <a:latin typeface="Times New Roman"/>
               </a:rPr>
@@ -1041,7 +1041,7 @@
         <p:spPr>
           <a:xfrm>
             <a:off x="685800" y="1143000"/>
-            <a:ext cx="5485680" cy="3085560"/>
+            <a:ext cx="5485320" cy="3085200"/>
           </a:xfrm>
           <a:prstGeom prst="rect">
             <a:avLst/>
@@ -1064,7 +1064,7 @@
         <p:spPr>
           <a:xfrm>
             <a:off x="685800" y="4400640"/>
-            <a:ext cx="5485680" cy="3599640"/>
+            <a:ext cx="5485320" cy="3599280"/>
           </a:xfrm>
           <a:prstGeom prst="rect">
             <a:avLst/>
@@ -1098,7 +1098,7 @@
         <p:spPr>
           <a:xfrm>
             <a:off x="3884760" y="8685360"/>
-            <a:ext cx="2971080" cy="457920"/>
+            <a:ext cx="2970720" cy="457560"/>
           </a:xfrm>
           <a:prstGeom prst="rect">
             <a:avLst/>
@@ -1130,7 +1130,7 @@
               </a:lnSpc>
               <a:buNone/>
             </a:pPr>
-            <a:fld id="{5A321F67-4F9C-44F7-9D03-6F4A9D0FFCD6}" type="slidenum">
+            <a:fld id="{1D86A9B1-51E5-424E-A5AA-52DB64267986}" type="slidenum">
               <a:rPr b="0" lang="en-US" sz="1200" spc="-1" strike="noStrike">
                 <a:latin typeface="Times New Roman"/>
               </a:rPr>
@@ -1177,7 +1177,7 @@
         <p:spPr>
           <a:xfrm>
             <a:off x="685800" y="1143000"/>
-            <a:ext cx="5485680" cy="3085560"/>
+            <a:ext cx="5485320" cy="3085200"/>
           </a:xfrm>
           <a:prstGeom prst="rect">
             <a:avLst/>
@@ -1200,7 +1200,7 @@
         <p:spPr>
           <a:xfrm>
             <a:off x="685800" y="4400640"/>
-            <a:ext cx="5485680" cy="3599640"/>
+            <a:ext cx="5485320" cy="3599280"/>
           </a:xfrm>
           <a:prstGeom prst="rect">
             <a:avLst/>
@@ -1234,7 +1234,7 @@
         <p:spPr>
           <a:xfrm>
             <a:off x="3884760" y="8685360"/>
-            <a:ext cx="2971080" cy="457920"/>
+            <a:ext cx="2970720" cy="457560"/>
           </a:xfrm>
           <a:prstGeom prst="rect">
             <a:avLst/>
@@ -1266,7 +1266,7 @@
               </a:lnSpc>
               <a:buNone/>
             </a:pPr>
-            <a:fld id="{048C8EB9-3846-44FC-AB92-44DC5C36F049}" type="slidenum">
+            <a:fld id="{C6449EDE-1246-4D1C-BC9D-6B75EF110F7F}" type="slidenum">
               <a:rPr b="0" lang="en-US" sz="1200" spc="-1" strike="noStrike">
                 <a:latin typeface="Times New Roman"/>
               </a:rPr>
@@ -1313,7 +1313,7 @@
         <p:spPr>
           <a:xfrm>
             <a:off x="685800" y="1143000"/>
-            <a:ext cx="5485680" cy="3085560"/>
+            <a:ext cx="5485320" cy="3085200"/>
           </a:xfrm>
           <a:prstGeom prst="rect">
             <a:avLst/>
@@ -1336,7 +1336,7 @@
         <p:spPr>
           <a:xfrm>
             <a:off x="685800" y="4400640"/>
-            <a:ext cx="5485680" cy="3599640"/>
+            <a:ext cx="5485320" cy="3599280"/>
           </a:xfrm>
           <a:prstGeom prst="rect">
             <a:avLst/>
@@ -1370,7 +1370,7 @@
         <p:spPr>
           <a:xfrm>
             <a:off x="3884760" y="8685360"/>
-            <a:ext cx="2971080" cy="457920"/>
+            <a:ext cx="2970720" cy="457560"/>
           </a:xfrm>
           <a:prstGeom prst="rect">
             <a:avLst/>
@@ -1402,7 +1402,7 @@
               </a:lnSpc>
               <a:buNone/>
             </a:pPr>
-            <a:fld id="{285E8C6E-9620-4040-8D62-BC602CEC2C13}" type="slidenum">
+            <a:fld id="{980C3FAC-0BAB-44AF-A465-04529C37135D}" type="slidenum">
               <a:rPr b="0" lang="en-US" sz="1200" spc="-1" strike="noStrike">
                 <a:latin typeface="Times New Roman"/>
               </a:rPr>
@@ -1449,7 +1449,7 @@
         <p:spPr>
           <a:xfrm>
             <a:off x="685800" y="1143000"/>
-            <a:ext cx="5485680" cy="3085560"/>
+            <a:ext cx="5485320" cy="3085200"/>
           </a:xfrm>
           <a:prstGeom prst="rect">
             <a:avLst/>
@@ -1472,7 +1472,7 @@
         <p:spPr>
           <a:xfrm>
             <a:off x="685800" y="4400640"/>
-            <a:ext cx="5485680" cy="3599640"/>
+            <a:ext cx="5485320" cy="3599280"/>
           </a:xfrm>
           <a:prstGeom prst="rect">
             <a:avLst/>
@@ -1506,7 +1506,7 @@
         <p:spPr>
           <a:xfrm>
             <a:off x="3884760" y="8685360"/>
-            <a:ext cx="2971080" cy="457920"/>
+            <a:ext cx="2970720" cy="457560"/>
           </a:xfrm>
           <a:prstGeom prst="rect">
             <a:avLst/>
@@ -1538,7 +1538,7 @@
               </a:lnSpc>
               <a:buNone/>
             </a:pPr>
-            <a:fld id="{8543C69E-38C5-4013-89B2-D1BA73BF005C}" type="slidenum">
+            <a:fld id="{B1B98A18-0110-4A9C-A565-EF16505F6106}" type="slidenum">
               <a:rPr b="0" lang="en-US" sz="1200" spc="-1" strike="noStrike">
                 <a:latin typeface="Times New Roman"/>
               </a:rPr>
@@ -1585,7 +1585,7 @@
         <p:spPr>
           <a:xfrm>
             <a:off x="685800" y="1143000"/>
-            <a:ext cx="5485680" cy="3085560"/>
+            <a:ext cx="5485320" cy="3085200"/>
           </a:xfrm>
           <a:prstGeom prst="rect">
             <a:avLst/>
@@ -1608,7 +1608,7 @@
         <p:spPr>
           <a:xfrm>
             <a:off x="685800" y="4400640"/>
-            <a:ext cx="5485680" cy="3599640"/>
+            <a:ext cx="5485320" cy="3599280"/>
           </a:xfrm>
           <a:prstGeom prst="rect">
             <a:avLst/>
@@ -1642,7 +1642,7 @@
         <p:spPr>
           <a:xfrm>
             <a:off x="3884760" y="8685360"/>
-            <a:ext cx="2971080" cy="457920"/>
+            <a:ext cx="2970720" cy="457560"/>
           </a:xfrm>
           <a:prstGeom prst="rect">
             <a:avLst/>
@@ -1674,7 +1674,7 @@
               </a:lnSpc>
               <a:buNone/>
             </a:pPr>
-            <a:fld id="{09012FE0-891E-4E51-A4C9-12020E794889}" type="slidenum">
+            <a:fld id="{B97B69CC-2374-4DF1-9023-A264A4E5F51F}" type="slidenum">
               <a:rPr b="0" lang="en-US" sz="1200" spc="-1" strike="noStrike">
                 <a:latin typeface="Times New Roman"/>
               </a:rPr>
@@ -1721,7 +1721,7 @@
         <p:spPr>
           <a:xfrm>
             <a:off x="685800" y="1143000"/>
-            <a:ext cx="5485680" cy="3085560"/>
+            <a:ext cx="5485320" cy="3085200"/>
           </a:xfrm>
           <a:prstGeom prst="rect">
             <a:avLst/>
@@ -1744,7 +1744,7 @@
         <p:spPr>
           <a:xfrm>
             <a:off x="685800" y="4400640"/>
-            <a:ext cx="5485680" cy="3599640"/>
+            <a:ext cx="5485320" cy="3599280"/>
           </a:xfrm>
           <a:prstGeom prst="rect">
             <a:avLst/>
@@ -1778,7 +1778,7 @@
         <p:spPr>
           <a:xfrm>
             <a:off x="3884760" y="8685360"/>
-            <a:ext cx="2971080" cy="457920"/>
+            <a:ext cx="2970720" cy="457560"/>
           </a:xfrm>
           <a:prstGeom prst="rect">
             <a:avLst/>
@@ -1810,7 +1810,7 @@
               </a:lnSpc>
               <a:buNone/>
             </a:pPr>
-            <a:fld id="{2BDA6CD1-B178-4892-A314-9F477ED69E90}" type="slidenum">
+            <a:fld id="{34FBA548-674B-4547-B210-8D06C76A72CD}" type="slidenum">
               <a:rPr b="0" lang="en-US" sz="1200" spc="-1" strike="noStrike">
                 <a:latin typeface="Times New Roman"/>
               </a:rPr>
@@ -1857,7 +1857,7 @@
         <p:spPr>
           <a:xfrm>
             <a:off x="685800" y="1143000"/>
-            <a:ext cx="5485680" cy="3085560"/>
+            <a:ext cx="5485320" cy="3085200"/>
           </a:xfrm>
           <a:prstGeom prst="rect">
             <a:avLst/>
@@ -1880,7 +1880,7 @@
         <p:spPr>
           <a:xfrm>
             <a:off x="685800" y="4400640"/>
-            <a:ext cx="5485680" cy="3599640"/>
+            <a:ext cx="5485320" cy="3599280"/>
           </a:xfrm>
           <a:prstGeom prst="rect">
             <a:avLst/>
@@ -1914,7 +1914,7 @@
         <p:spPr>
           <a:xfrm>
             <a:off x="3884760" y="8685360"/>
-            <a:ext cx="2971080" cy="457920"/>
+            <a:ext cx="2970720" cy="457560"/>
           </a:xfrm>
           <a:prstGeom prst="rect">
             <a:avLst/>
@@ -1946,7 +1946,7 @@
               </a:lnSpc>
               <a:buNone/>
             </a:pPr>
-            <a:fld id="{179813B3-311C-46F2-B7DB-6A6C5AFF938A}" type="slidenum">
+            <a:fld id="{FC10FA0A-5E07-450C-BD7D-A38DB6E0AA15}" type="slidenum">
               <a:rPr b="0" lang="en-US" sz="1200" spc="-1" strike="noStrike">
                 <a:latin typeface="Times New Roman"/>
               </a:rPr>
@@ -3476,7 +3476,7 @@
         <p:txBody>
           <a:bodyPr/>
           <a:p>
-            <a:fld id="{6EB38D13-311A-42ED-B0AE-43E57CD98FEE}" type="slidenum">
+            <a:fld id="{06C674AB-803D-4D66-A861-BCD52475E888}" type="slidenum">
               <a:t>&lt;#&gt;</a:t>
             </a:fld>
           </a:p>
@@ -3807,7 +3807,7 @@
         <p:txBody>
           <a:bodyPr/>
           <a:p>
-            <a:fld id="{9BED0519-93EC-4559-B3FC-4E2861958349}" type="slidenum">
+            <a:fld id="{DAB89733-CCCE-4B10-8013-DF9B4D14E0CA}" type="slidenum">
               <a:t>&lt;#&gt;</a:t>
             </a:fld>
           </a:p>
@@ -3940,7 +3940,7 @@
         <p:txBody>
           <a:bodyPr/>
           <a:p>
-            <a:fld id="{D20DB2BA-73C5-4A01-A8D2-D0837BB70B34}" type="slidenum">
+            <a:fld id="{9BE0E2FD-64C1-4863-BAD6-90FFD94CC60D}" type="slidenum">
               <a:t>&lt;#&gt;</a:t>
             </a:fld>
           </a:p>
@@ -4107,7 +4107,7 @@
         <p:txBody>
           <a:bodyPr/>
           <a:p>
-            <a:fld id="{35E81DF1-E4C9-4595-A75C-93213D796451}" type="slidenum">
+            <a:fld id="{2B922353-5C67-4384-883B-1AA71E23A3BC}" type="slidenum">
               <a:t>&lt;#&gt;</a:t>
             </a:fld>
           </a:p>
@@ -4206,7 +4206,7 @@
         <p:txBody>
           <a:bodyPr/>
           <a:p>
-            <a:fld id="{C115E9A4-705E-4A98-A0ED-F3E361B36212}" type="slidenum">
+            <a:fld id="{6DA30FF2-A957-4AF1-81A6-9B2EC665B6AC}" type="slidenum">
               <a:t>&lt;#&gt;</a:t>
             </a:fld>
           </a:p>
@@ -4305,7 +4305,7 @@
         <p:txBody>
           <a:bodyPr/>
           <a:p>
-            <a:fld id="{35C9B37F-6479-41F7-AE57-669B093F1B6C}" type="slidenum">
+            <a:fld id="{D4B3C3EC-36CE-4AA1-ADB7-BEBF658BE950}" type="slidenum">
               <a:t>&lt;#&gt;</a:t>
             </a:fld>
           </a:p>
@@ -4506,7 +4506,7 @@
         <p:txBody>
           <a:bodyPr/>
           <a:p>
-            <a:fld id="{5D294C18-D769-4423-9858-7BC41534353C}" type="slidenum">
+            <a:fld id="{1CFE3D42-6FD0-4D1D-8079-0B11A0242EBB}" type="slidenum">
               <a:t>&lt;#&gt;</a:t>
             </a:fld>
           </a:p>
@@ -4707,7 +4707,7 @@
         <p:txBody>
           <a:bodyPr/>
           <a:p>
-            <a:fld id="{01BA4D8C-9AF5-4692-BA72-C473BBFA1E77}" type="slidenum">
+            <a:fld id="{C6F9705E-6283-4486-97E1-3A6D8442BEF5}" type="slidenum">
               <a:t>&lt;#&gt;</a:t>
             </a:fld>
           </a:p>
@@ -4908,7 +4908,7 @@
         <p:txBody>
           <a:bodyPr/>
           <a:p>
-            <a:fld id="{B199631F-CF5C-46B9-99AA-785C5D3874BD}" type="slidenum">
+            <a:fld id="{5422C08C-3002-4B6A-A6B7-D54222D95099}" type="slidenum">
               <a:t>&lt;#&gt;</a:t>
             </a:fld>
           </a:p>
@@ -5075,7 +5075,7 @@
         <p:txBody>
           <a:bodyPr/>
           <a:p>
-            <a:fld id="{B9B45289-72A7-4586-A350-919952F20966}" type="slidenum">
+            <a:fld id="{F6E9F3FD-FEB8-4A7A-8453-EBB8BC058D05}" type="slidenum">
               <a:t>&lt;#&gt;</a:t>
             </a:fld>
           </a:p>
@@ -5310,7 +5310,7 @@
         <p:txBody>
           <a:bodyPr/>
           <a:p>
-            <a:fld id="{868D8A3F-A062-4AB5-AC2C-805285D4E18D}" type="slidenum">
+            <a:fld id="{E87DBD1B-51E9-4E50-A9FF-4F685E098E35}" type="slidenum">
               <a:t>&lt;#&gt;</a:t>
             </a:fld>
           </a:p>
@@ -5876,7 +5876,7 @@
         <p:txBody>
           <a:bodyPr/>
           <a:p>
-            <a:fld id="{E8FF4662-F59C-40EE-B0D1-8050CD6E46F3}" type="slidenum">
+            <a:fld id="{1BC6731F-6A3A-437A-9736-C1891B0058D4}" type="slidenum">
               <a:t>&lt;#&gt;</a:t>
             </a:fld>
           </a:p>
@@ -6877,7 +6877,7 @@
         <p:txBody>
           <a:bodyPr/>
           <a:p>
-            <a:fld id="{399F8339-A2D2-4A33-86E9-D7B79CD60CB2}" type="slidenum">
+            <a:fld id="{281D8867-ABFA-48A1-8DA5-400795DEED59}" type="slidenum">
               <a:t>&lt;#&gt;</a:t>
             </a:fld>
           </a:p>
@@ -7598,7 +7598,7 @@
         <p:txBody>
           <a:bodyPr/>
           <a:p>
-            <a:fld id="{76C5EC0B-09F5-401A-9ABB-DECA2782D8A8}" type="slidenum">
+            <a:fld id="{E2A140DF-9263-4825-8FB8-BAC19C20E64A}" type="slidenum">
               <a:t>&lt;#&gt;</a:t>
             </a:fld>
           </a:p>
@@ -7731,7 +7731,7 @@
         <p:txBody>
           <a:bodyPr/>
           <a:p>
-            <a:fld id="{B516E423-CD32-4CB2-AE46-1B6103F14A49}" type="slidenum">
+            <a:fld id="{9159D1CC-765F-416D-B3A6-6164FEAEF572}" type="slidenum">
               <a:t>&lt;#&gt;</a:t>
             </a:fld>
           </a:p>
@@ -7898,7 +7898,7 @@
         <p:txBody>
           <a:bodyPr/>
           <a:p>
-            <a:fld id="{DAEFF55A-5608-4DAF-855A-892CD850C02D}" type="slidenum">
+            <a:fld id="{C6EC583B-AF0D-4628-9CC2-4FB230B27E6C}" type="slidenum">
               <a:t>&lt;#&gt;</a:t>
             </a:fld>
           </a:p>
@@ -7997,7 +7997,7 @@
         <p:txBody>
           <a:bodyPr/>
           <a:p>
-            <a:fld id="{0D14ADDF-94DB-4CFC-AF32-A365DD027386}" type="slidenum">
+            <a:fld id="{D0F5E53E-F96C-4CAA-AE16-F98F5DC3FB1D}" type="slidenum">
               <a:t>&lt;#&gt;</a:t>
             </a:fld>
           </a:p>
@@ -8096,7 +8096,7 @@
         <p:txBody>
           <a:bodyPr/>
           <a:p>
-            <a:fld id="{78150D90-FAE8-414E-85D6-BC9F85EC7E5D}" type="slidenum">
+            <a:fld id="{B39F80BC-051F-44AC-BE2B-C4EB7D446BA7}" type="slidenum">
               <a:t>&lt;#&gt;</a:t>
             </a:fld>
           </a:p>
@@ -8297,7 +8297,7 @@
         <p:txBody>
           <a:bodyPr/>
           <a:p>
-            <a:fld id="{82118200-7EFF-486F-9F86-A10101FF8C72}" type="slidenum">
+            <a:fld id="{102FA23D-F3CF-49F5-A339-B7EFDF6F4329}" type="slidenum">
               <a:t>&lt;#&gt;</a:t>
             </a:fld>
           </a:p>
@@ -8594,7 +8594,7 @@
         <p:txBody>
           <a:bodyPr/>
           <a:p>
-            <a:fld id="{DB243929-6CCF-4293-BA8C-7711BBCC6FAA}" type="slidenum">
+            <a:fld id="{4974FAA5-E9CE-4213-99FA-71DC9E58A5BB}" type="slidenum">
               <a:t>&lt;#&gt;</a:t>
             </a:fld>
           </a:p>
@@ -8795,7 +8795,7 @@
         <p:txBody>
           <a:bodyPr/>
           <a:p>
-            <a:fld id="{977722C6-0629-4D26-B3B2-DDE707D4822E}" type="slidenum">
+            <a:fld id="{0E393BA7-C165-4B21-82FF-778977CF43E4}" type="slidenum">
               <a:t>&lt;#&gt;</a:t>
             </a:fld>
           </a:p>
@@ -8962,7 +8962,7 @@
         <p:txBody>
           <a:bodyPr/>
           <a:p>
-            <a:fld id="{F05D64A7-3117-48A7-97D0-3290C597BAC9}" type="slidenum">
+            <a:fld id="{D572C8BD-1CE6-4C01-B06B-08DDA0CF4028}" type="slidenum">
               <a:t>&lt;#&gt;</a:t>
             </a:fld>
           </a:p>
@@ -9197,7 +9197,7 @@
         <p:txBody>
           <a:bodyPr/>
           <a:p>
-            <a:fld id="{6F83329E-C4BC-4ACF-BE16-E7E970437D3A}" type="slidenum">
+            <a:fld id="{03F91796-8715-4471-8071-D756F3D16A0D}" type="slidenum">
               <a:t>&lt;#&gt;</a:t>
             </a:fld>
           </a:p>
@@ -9500,7 +9500,7 @@
         <p:txBody>
           <a:bodyPr/>
           <a:p>
-            <a:fld id="{C130F4F5-8E88-4A60-A03C-C6DD0BA9E64C}" type="slidenum">
+            <a:fld id="{172EF15A-CFA3-45FA-8D09-33D3CF9FC8B8}" type="slidenum">
               <a:t>&lt;#&gt;</a:t>
             </a:fld>
           </a:p>
@@ -9562,7 +9562,7 @@
         <p:txBody>
           <a:bodyPr/>
           <a:p>
-            <a:fld id="{AA0AA94F-95F8-4C03-8B90-9E7F29EF9BD8}" type="slidenum">
+            <a:fld id="{533C421D-1863-493A-B374-148DAA42E574}" type="slidenum">
               <a:t>&lt;#&gt;</a:t>
             </a:fld>
           </a:p>
@@ -9698,7 +9698,7 @@
         <p:txBody>
           <a:bodyPr/>
           <a:p>
-            <a:fld id="{704C6A8F-2E64-4FDA-8C88-EF87751EE175}" type="slidenum">
+            <a:fld id="{39D878BE-4A0C-47AC-9AA1-5A247B7FEBF5}" type="slidenum">
               <a:t>&lt;#&gt;</a:t>
             </a:fld>
           </a:p>
@@ -9831,7 +9831,7 @@
         <p:txBody>
           <a:bodyPr/>
           <a:p>
-            <a:fld id="{CD308399-2D0F-4FEC-B011-303FC7B0E033}" type="slidenum">
+            <a:fld id="{CB584591-618B-4CC9-AA89-CC4E73377F74}" type="slidenum">
               <a:t>&lt;#&gt;</a:t>
             </a:fld>
           </a:p>
@@ -9998,7 +9998,7 @@
         <p:txBody>
           <a:bodyPr/>
           <a:p>
-            <a:fld id="{9E908C66-E3D0-4177-8584-C3962EFF5AEF}" type="slidenum">
+            <a:fld id="{6A46BAEF-1471-4981-B03A-100065591B94}" type="slidenum">
               <a:t>&lt;#&gt;</a:t>
             </a:fld>
           </a:p>
@@ -10097,7 +10097,7 @@
         <p:txBody>
           <a:bodyPr/>
           <a:p>
-            <a:fld id="{D1148A2C-4527-4F95-9CB4-D467E9749C7A}" type="slidenum">
+            <a:fld id="{E2358599-B21A-41DB-9C12-5FAB9C9A7D9F}" type="slidenum">
               <a:t>&lt;#&gt;</a:t>
             </a:fld>
           </a:p>
@@ -10289,7 +10289,7 @@
         <p:txBody>
           <a:bodyPr/>
           <a:p>
-            <a:fld id="{078B92CF-782D-454A-94B2-8F3EEE23E58A}" type="slidenum">
+            <a:fld id="{73750A0B-B4BE-41DA-B3E5-AC69BD64F5BA}" type="slidenum">
               <a:t>&lt;#&gt;</a:t>
             </a:fld>
           </a:p>
@@ -10490,7 +10490,7 @@
         <p:txBody>
           <a:bodyPr/>
           <a:p>
-            <a:fld id="{E1CD8AEF-3872-4A87-98DE-CB54E87A51C7}" type="slidenum">
+            <a:fld id="{B68D9D4D-11CE-489D-B1F6-E633BDC62F13}" type="slidenum">
               <a:t>&lt;#&gt;</a:t>
             </a:fld>
           </a:p>
@@ -10691,7 +10691,7 @@
         <p:txBody>
           <a:bodyPr/>
           <a:p>
-            <a:fld id="{9CA1A0B7-F533-4C75-95EF-EC8F990490E7}" type="slidenum">
+            <a:fld id="{78DDC9DB-AE97-4CAB-A8F2-1E358934C898}" type="slidenum">
               <a:t>&lt;#&gt;</a:t>
             </a:fld>
           </a:p>
@@ -10892,7 +10892,7 @@
         <p:txBody>
           <a:bodyPr/>
           <a:p>
-            <a:fld id="{AF318D64-7253-43D8-80E4-C5995C2F9831}" type="slidenum">
+            <a:fld id="{CBDA12A9-29B9-4E24-BA70-B194110D0789}" type="slidenum">
               <a:t>&lt;#&gt;</a:t>
             </a:fld>
           </a:p>
@@ -11059,7 +11059,7 @@
         <p:txBody>
           <a:bodyPr/>
           <a:p>
-            <a:fld id="{D1FA945B-DDB3-4C73-A65A-A60B0915D36E}" type="slidenum">
+            <a:fld id="{BE4894A6-80F3-4E4F-938D-D111D76D19C4}" type="slidenum">
               <a:t>&lt;#&gt;</a:t>
             </a:fld>
           </a:p>
@@ -11294,7 +11294,7 @@
         <p:txBody>
           <a:bodyPr/>
           <a:p>
-            <a:fld id="{F2675E97-5D23-460B-8314-632470E80661}" type="slidenum">
+            <a:fld id="{EC2B9796-7FE0-4BC3-A5AE-71B90F6DC4B7}" type="slidenum">
               <a:t>&lt;#&gt;</a:t>
             </a:fld>
           </a:p>
@@ -11597,7 +11597,7 @@
         <p:txBody>
           <a:bodyPr/>
           <a:p>
-            <a:fld id="{0123A6D1-E335-4A0A-A06C-DAC1B6CB5538}" type="slidenum">
+            <a:fld id="{C950D216-E088-4DEA-A4C7-17B9570D8095}" type="slidenum">
               <a:t>&lt;#&gt;</a:t>
             </a:fld>
           </a:p>
@@ -11659,7 +11659,7 @@
         <p:txBody>
           <a:bodyPr/>
           <a:p>
-            <a:fld id="{067689DE-9D9A-4285-A807-C2BB3772C4CD}" type="slidenum">
+            <a:fld id="{70B5E53A-BBBB-4015-905C-B66466D6FF4E}" type="slidenum">
               <a:t>&lt;#&gt;</a:t>
             </a:fld>
           </a:p>
@@ -11795,7 +11795,7 @@
         <p:txBody>
           <a:bodyPr/>
           <a:p>
-            <a:fld id="{8244E963-3809-4B9D-9155-0527FA5632D3}" type="slidenum">
+            <a:fld id="{B58C9A1F-3DF3-4AFB-9AD4-504AA5013C98}" type="slidenum">
               <a:t>&lt;#&gt;</a:t>
             </a:fld>
           </a:p>
@@ -11928,7 +11928,7 @@
         <p:txBody>
           <a:bodyPr/>
           <a:p>
-            <a:fld id="{247ADB40-209B-4FD8-A71B-4C54CF2722C5}" type="slidenum">
+            <a:fld id="{01C5009A-EBED-4DB0-9C9E-7B2BB8C05EF2}" type="slidenum">
               <a:t>&lt;#&gt;</a:t>
             </a:fld>
           </a:p>
@@ -12222,7 +12222,7 @@
         <p:txBody>
           <a:bodyPr/>
           <a:p>
-            <a:fld id="{B2F87A55-3AF5-4240-8AB9-C341ECC6784E}" type="slidenum">
+            <a:fld id="{27460624-F737-4098-9EE6-44837EC82566}" type="slidenum">
               <a:t>&lt;#&gt;</a:t>
             </a:fld>
           </a:p>
@@ -12321,7 +12321,7 @@
         <p:txBody>
           <a:bodyPr/>
           <a:p>
-            <a:fld id="{22727339-18DD-4DC2-97DE-A501E856B9CA}" type="slidenum">
+            <a:fld id="{4B19F771-55B4-4275-9A28-06E3BF5E6A1D}" type="slidenum">
               <a:t>&lt;#&gt;</a:t>
             </a:fld>
           </a:p>
@@ -12420,7 +12420,7 @@
         <p:txBody>
           <a:bodyPr/>
           <a:p>
-            <a:fld id="{6A99A820-5146-4273-905F-6BF0D79AD638}" type="slidenum">
+            <a:fld id="{E1E0F364-CC49-48A4-8E6D-F97891B15AE9}" type="slidenum">
               <a:t>&lt;#&gt;</a:t>
             </a:fld>
           </a:p>
@@ -12621,7 +12621,7 @@
         <p:txBody>
           <a:bodyPr/>
           <a:p>
-            <a:fld id="{822B12DF-8859-4B11-A023-B0F4639D1753}" type="slidenum">
+            <a:fld id="{9F302EDF-565E-4F41-A56F-009FB995FD58}" type="slidenum">
               <a:t>&lt;#&gt;</a:t>
             </a:fld>
           </a:p>
@@ -12822,7 +12822,7 @@
         <p:txBody>
           <a:bodyPr/>
           <a:p>
-            <a:fld id="{7CE2A1E1-FC1B-48E3-A23D-B1ADA5A9B33E}" type="slidenum">
+            <a:fld id="{395F5A7D-7576-4B72-9D04-C8324D1FB1EF}" type="slidenum">
               <a:t>&lt;#&gt;</a:t>
             </a:fld>
           </a:p>
@@ -13023,7 +13023,7 @@
         <p:txBody>
           <a:bodyPr/>
           <a:p>
-            <a:fld id="{14FFCDA0-934A-43A0-98EB-3FFB0E82435A}" type="slidenum">
+            <a:fld id="{33DA15D6-87C1-467E-BE12-23226BE45238}" type="slidenum">
               <a:t>&lt;#&gt;</a:t>
             </a:fld>
           </a:p>
@@ -13190,7 +13190,7 @@
         <p:txBody>
           <a:bodyPr/>
           <a:p>
-            <a:fld id="{2B96312A-EA4C-46BE-8128-98252266EBA4}" type="slidenum">
+            <a:fld id="{EBFA7A69-BD06-46AC-A2F7-87E07190BBB9}" type="slidenum">
               <a:t>&lt;#&gt;</a:t>
             </a:fld>
           </a:p>
@@ -13425,7 +13425,7 @@
         <p:txBody>
           <a:bodyPr/>
           <a:p>
-            <a:fld id="{4E1B144F-E56E-4B05-A100-184D6D3ACF23}" type="slidenum">
+            <a:fld id="{4F62279F-459F-40C5-B6B6-851DCF495BD8}" type="slidenum">
               <a:t>&lt;#&gt;</a:t>
             </a:fld>
           </a:p>
@@ -13728,7 +13728,7 @@
         <p:txBody>
           <a:bodyPr/>
           <a:p>
-            <a:fld id="{EE2B5852-9431-46C0-B02F-087717A5286F}" type="slidenum">
+            <a:fld id="{D96E8A5C-C7B4-452E-BB39-7627E64DE941}" type="slidenum">
               <a:t>&lt;#&gt;</a:t>
             </a:fld>
           </a:p>
@@ -13790,7 +13790,7 @@
         <p:txBody>
           <a:bodyPr/>
           <a:p>
-            <a:fld id="{799A30F3-16CF-43F7-A5CD-400219BCF87C}" type="slidenum">
+            <a:fld id="{4C0890EA-66BB-44EC-8FB1-C6000A49DD95}" type="slidenum">
               <a:t>&lt;#&gt;</a:t>
             </a:fld>
           </a:p>
@@ -13985,7 +13985,7 @@
         <p:txBody>
           <a:bodyPr/>
           <a:p>
-            <a:fld id="{050B9C1D-46D7-44D6-9554-466ADB308195}" type="slidenum">
+            <a:fld id="{30B4165B-BC45-4B8B-A64B-450478FA5412}" type="slidenum">
               <a:t>&lt;#&gt;</a:t>
             </a:fld>
           </a:p>
@@ -14118,7 +14118,7 @@
         <p:txBody>
           <a:bodyPr/>
           <a:p>
-            <a:fld id="{8D9682A8-10AF-48BF-B53B-9F4A3A34E82C}" type="slidenum">
+            <a:fld id="{1AB574DB-E673-45B7-B937-DF3FD5E0AC9B}" type="slidenum">
               <a:t>&lt;#&gt;</a:t>
             </a:fld>
           </a:p>
@@ -14285,7 +14285,7 @@
         <p:txBody>
           <a:bodyPr/>
           <a:p>
-            <a:fld id="{4CECF236-B0EF-4A1A-A310-BB2F8BC06598}" type="slidenum">
+            <a:fld id="{FC4488C2-F7C2-4965-9EE1-4B521FEADABB}" type="slidenum">
               <a:t>&lt;#&gt;</a:t>
             </a:fld>
           </a:p>
@@ -14384,7 +14384,7 @@
         <p:txBody>
           <a:bodyPr/>
           <a:p>
-            <a:fld id="{F9474D98-6EBB-4F5A-8792-5F2543E9770A}" type="slidenum">
+            <a:fld id="{78759A63-31A7-4309-AF29-20A4581F8877}" type="slidenum">
               <a:t>&lt;#&gt;</a:t>
             </a:fld>
           </a:p>
@@ -14483,7 +14483,7 @@
         <p:txBody>
           <a:bodyPr/>
           <a:p>
-            <a:fld id="{1C0E4E40-2722-404F-873C-D86E53D1D449}" type="slidenum">
+            <a:fld id="{8AB7832F-C523-4A2F-94BB-A505BF2211C3}" type="slidenum">
               <a:t>&lt;#&gt;</a:t>
             </a:fld>
           </a:p>
@@ -14684,7 +14684,7 @@
         <p:txBody>
           <a:bodyPr/>
           <a:p>
-            <a:fld id="{31939303-4BEC-4C37-8C5E-4917B84EBBF0}" type="slidenum">
+            <a:fld id="{5AED1FCF-EA02-460C-9324-7E408E29445B}" type="slidenum">
               <a:t>&lt;#&gt;</a:t>
             </a:fld>
           </a:p>
@@ -14885,7 +14885,7 @@
         <p:txBody>
           <a:bodyPr/>
           <a:p>
-            <a:fld id="{6D385226-7D70-422B-80B9-D5E13BC90BD0}" type="slidenum">
+            <a:fld id="{709346A0-0190-4E75-AB67-05DD56DB8C5E}" type="slidenum">
               <a:t>&lt;#&gt;</a:t>
             </a:fld>
           </a:p>
@@ -15086,7 +15086,7 @@
         <p:txBody>
           <a:bodyPr/>
           <a:p>
-            <a:fld id="{7E1C375D-BB0A-4C35-A913-67BC11577E83}" type="slidenum">
+            <a:fld id="{983B7EB1-F2FE-4C19-B7EB-9DD374A895FF}" type="slidenum">
               <a:t>&lt;#&gt;</a:t>
             </a:fld>
           </a:p>
@@ -15253,7 +15253,7 @@
         <p:txBody>
           <a:bodyPr/>
           <a:p>
-            <a:fld id="{9C14A94E-CD18-4CF7-B190-A3B5D634EF5B}" type="slidenum">
+            <a:fld id="{99E53C31-4B70-403E-B7DB-7B34F4BF0638}" type="slidenum">
               <a:t>&lt;#&gt;</a:t>
             </a:fld>
           </a:p>
@@ -15488,7 +15488,7 @@
         <p:txBody>
           <a:bodyPr/>
           <a:p>
-            <a:fld id="{203D7B0E-40D3-4123-AEDE-8C0388143A48}" type="slidenum">
+            <a:fld id="{69140AFA-E55B-497B-909B-A1C801BCB158}" type="slidenum">
               <a:t>&lt;#&gt;</a:t>
             </a:fld>
           </a:p>
@@ -15850,7 +15850,7 @@
         <p:txBody>
           <a:bodyPr/>
           <a:p>
-            <a:fld id="{AEBEE305-7BE1-4AA8-A25A-31FEE982D015}" type="slidenum">
+            <a:fld id="{F1BBC74C-487C-4CB5-8A1A-4F2A1E65113E}" type="slidenum">
               <a:t>&lt;#&gt;</a:t>
             </a:fld>
           </a:p>
@@ -15912,7 +15912,7 @@
         <p:txBody>
           <a:bodyPr/>
           <a:p>
-            <a:fld id="{1C3EC96F-F051-405F-AF27-80142BEE3887}" type="slidenum">
+            <a:fld id="{1A040FDE-4AC9-4284-9D22-FA2B124E53A4}" type="slidenum">
               <a:t>&lt;#&gt;</a:t>
             </a:fld>
           </a:p>
@@ -16048,7 +16048,7 @@
         <p:txBody>
           <a:bodyPr/>
           <a:p>
-            <a:fld id="{7F319E55-14AD-4B54-8D90-BEE58694041F}" type="slidenum">
+            <a:fld id="{4252010F-3133-4F70-B453-8FD4E376464B}" type="slidenum">
               <a:t>&lt;#&gt;</a:t>
             </a:fld>
           </a:p>
@@ -16181,7 +16181,7 @@
         <p:txBody>
           <a:bodyPr/>
           <a:p>
-            <a:fld id="{335CC48E-4306-4A53-B5CE-E6AA63657133}" type="slidenum">
+            <a:fld id="{4FC385B9-EC6D-4379-AC28-BED0E60F822B}" type="slidenum">
               <a:t>&lt;#&gt;</a:t>
             </a:fld>
           </a:p>
@@ -16348,7 +16348,7 @@
         <p:txBody>
           <a:bodyPr/>
           <a:p>
-            <a:fld id="{65EA8B11-77B8-4C70-843B-A7ADEE07E018}" type="slidenum">
+            <a:fld id="{39D79643-652E-478C-B0BF-9DD2FB974E73}" type="slidenum">
               <a:t>&lt;#&gt;</a:t>
             </a:fld>
           </a:p>
@@ -16447,7 +16447,7 @@
         <p:txBody>
           <a:bodyPr/>
           <a:p>
-            <a:fld id="{C067716F-CF66-4E0D-8DFE-235CD6F87559}" type="slidenum">
+            <a:fld id="{644F54DE-B258-417A-9380-1062A9F4F203}" type="slidenum">
               <a:t>&lt;#&gt;</a:t>
             </a:fld>
           </a:p>
@@ -16546,7 +16546,7 @@
         <p:txBody>
           <a:bodyPr/>
           <a:p>
-            <a:fld id="{7E247056-2271-4BA8-A736-7A148C479D18}" type="slidenum">
+            <a:fld id="{21494BC2-3F98-4085-BB05-E18F87427BEC}" type="slidenum">
               <a:t>&lt;#&gt;</a:t>
             </a:fld>
           </a:p>
@@ -16747,7 +16747,7 @@
         <p:txBody>
           <a:bodyPr/>
           <a:p>
-            <a:fld id="{CB7E2E3A-B619-4BC4-88B8-5F14CFBD1266}" type="slidenum">
+            <a:fld id="{1E7906EB-13DC-4CEF-871E-0D2D06526254}" type="slidenum">
               <a:t>&lt;#&gt;</a:t>
             </a:fld>
           </a:p>
@@ -16948,7 +16948,7 @@
         <p:txBody>
           <a:bodyPr/>
           <a:p>
-            <a:fld id="{60DFF8F9-D6F2-4E7A-A56C-B005BD4DAE3A}" type="slidenum">
+            <a:fld id="{5DE358D9-BDC8-42EF-A3C2-29B1C31CA1BD}" type="slidenum">
               <a:t>&lt;#&gt;</a:t>
             </a:fld>
           </a:p>
@@ -17149,7 +17149,7 @@
         <p:txBody>
           <a:bodyPr/>
           <a:p>
-            <a:fld id="{3699B08C-E7DB-4F69-9824-FCEA03B5E0FE}" type="slidenum">
+            <a:fld id="{6F68B002-96DF-4622-8B21-52AC89A5581D}" type="slidenum">
               <a:t>&lt;#&gt;</a:t>
             </a:fld>
           </a:p>
@@ -17477,7 +17477,7 @@
         <p:txBody>
           <a:bodyPr/>
           <a:p>
-            <a:fld id="{2783D159-5A1A-4A31-8996-5B1E8BD53124}" type="slidenum">
+            <a:fld id="{C5DA1184-ECFB-4FBB-B87B-F3D28C17B270}" type="slidenum">
               <a:t>&lt;#&gt;</a:t>
             </a:fld>
           </a:p>
@@ -17712,7 +17712,7 @@
         <p:txBody>
           <a:bodyPr/>
           <a:p>
-            <a:fld id="{FC09A680-36B0-4F2E-B436-F5185368434A}" type="slidenum">
+            <a:fld id="{26DB4A78-AEEE-49A0-9D7B-9552795A4660}" type="slidenum">
               <a:t>&lt;#&gt;</a:t>
             </a:fld>
           </a:p>
@@ -18015,7 +18015,7 @@
         <p:txBody>
           <a:bodyPr/>
           <a:p>
-            <a:fld id="{79CBAD2B-7065-4F19-8B13-5AC31E67C35F}" type="slidenum">
+            <a:fld id="{B7256AA8-30D2-4506-A44C-393C4DED3D84}" type="slidenum">
               <a:t>&lt;#&gt;</a:t>
             </a:fld>
           </a:p>
@@ -18077,7 +18077,7 @@
         <p:txBody>
           <a:bodyPr/>
           <a:p>
-            <a:fld id="{3EB93B7C-56B9-466B-82EA-F4DEAE7848E0}" type="slidenum">
+            <a:fld id="{7F7B3ADA-3155-4E3C-BC8F-920D93E7EDDD}" type="slidenum">
               <a:t>&lt;#&gt;</a:t>
             </a:fld>
           </a:p>
@@ -18213,7 +18213,7 @@
         <p:txBody>
           <a:bodyPr/>
           <a:p>
-            <a:fld id="{2302598B-9741-435B-96FA-68A87163A778}" type="slidenum">
+            <a:fld id="{268B6638-283D-46A6-8ABB-07CB10A1362F}" type="slidenum">
               <a:t>&lt;#&gt;</a:t>
             </a:fld>
           </a:p>
@@ -18346,7 +18346,7 @@
         <p:txBody>
           <a:bodyPr/>
           <a:p>
-            <a:fld id="{CFE5F7C2-852E-4AD8-804A-530A6779C057}" type="slidenum">
+            <a:fld id="{BD632828-9F2F-4641-B31C-4D0E559E18CF}" type="slidenum">
               <a:t>&lt;#&gt;</a:t>
             </a:fld>
           </a:p>
@@ -18513,7 +18513,7 @@
         <p:txBody>
           <a:bodyPr/>
           <a:p>
-            <a:fld id="{EE7108B6-E35F-4686-ACA0-98A192533854}" type="slidenum">
+            <a:fld id="{B6C8F6CC-75A5-4326-951A-01E158D3B995}" type="slidenum">
               <a:t>&lt;#&gt;</a:t>
             </a:fld>
           </a:p>
@@ -18612,7 +18612,7 @@
         <p:txBody>
           <a:bodyPr/>
           <a:p>
-            <a:fld id="{2EC97DD8-86AF-4D49-AA01-FCAD9E5D9DC0}" type="slidenum">
+            <a:fld id="{5AF2E7E0-66FF-405E-A93B-C4E753D41CD8}" type="slidenum">
               <a:t>&lt;#&gt;</a:t>
             </a:fld>
           </a:p>
@@ -18711,7 +18711,7 @@
         <p:txBody>
           <a:bodyPr/>
           <a:p>
-            <a:fld id="{B3F61AEA-EB2D-4CCB-B646-29AC5E895EB6}" type="slidenum">
+            <a:fld id="{91D81E65-9A6C-4555-97F5-36EC092BFC33}" type="slidenum">
               <a:t>&lt;#&gt;</a:t>
             </a:fld>
           </a:p>
@@ -18912,7 +18912,7 @@
         <p:txBody>
           <a:bodyPr/>
           <a:p>
-            <a:fld id="{B82B8C18-DC38-4EA1-8A3F-69079A411758}" type="slidenum">
+            <a:fld id="{D75F21AF-DC9B-4E3A-A52D-3169C56469A3}" type="slidenum">
               <a:t>&lt;#&gt;</a:t>
             </a:fld>
           </a:p>
@@ -19274,7 +19274,7 @@
         <p:txBody>
           <a:bodyPr/>
           <a:p>
-            <a:fld id="{1368FB0E-09B7-41D5-8833-C1F60506EF68}" type="slidenum">
+            <a:fld id="{B1EB355E-1B85-400C-BD69-9C3E81EE66FE}" type="slidenum">
               <a:t>&lt;#&gt;</a:t>
             </a:fld>
           </a:p>
@@ -19475,7 +19475,7 @@
         <p:txBody>
           <a:bodyPr/>
           <a:p>
-            <a:fld id="{4328AFF8-53E6-4294-9FE0-36FA3377909E}" type="slidenum">
+            <a:fld id="{E05D6926-4E7D-4B3B-A6AF-37B50CDB9FC9}" type="slidenum">
               <a:t>&lt;#&gt;</a:t>
             </a:fld>
           </a:p>
@@ -19642,7 +19642,7 @@
         <p:txBody>
           <a:bodyPr/>
           <a:p>
-            <a:fld id="{2C07D849-665A-45C2-85F3-B4C0611242A7}" type="slidenum">
+            <a:fld id="{F6A71E76-524E-464A-9025-F10403400BBD}" type="slidenum">
               <a:t>&lt;#&gt;</a:t>
             </a:fld>
           </a:p>
@@ -19877,7 +19877,7 @@
         <p:txBody>
           <a:bodyPr/>
           <a:p>
-            <a:fld id="{DF517FB2-401E-4A28-8456-BDA1F3A0F7FF}" type="slidenum">
+            <a:fld id="{48D373E1-3DE8-4655-850E-5592A91610ED}" type="slidenum">
               <a:t>&lt;#&gt;</a:t>
             </a:fld>
           </a:p>
@@ -20180,7 +20180,7 @@
         <p:txBody>
           <a:bodyPr/>
           <a:p>
-            <a:fld id="{966FEFE5-6C42-46FA-AD7F-D21F443F3C3B}" type="slidenum">
+            <a:fld id="{914CF220-985F-41C3-903F-954890671829}" type="slidenum">
               <a:t>&lt;#&gt;</a:t>
             </a:fld>
           </a:p>
@@ -20242,7 +20242,7 @@
         <p:txBody>
           <a:bodyPr/>
           <a:p>
-            <a:fld id="{25A7F1A2-3B4E-48B4-88D5-93C1A9D786EC}" type="slidenum">
+            <a:fld id="{4048B991-396B-4CE8-96E4-9FECECB85473}" type="slidenum">
               <a:t>&lt;#&gt;</a:t>
             </a:fld>
           </a:p>
@@ -20378,7 +20378,7 @@
         <p:txBody>
           <a:bodyPr/>
           <a:p>
-            <a:fld id="{116BC64F-51D3-4266-872C-63737C6A26D8}" type="slidenum">
+            <a:fld id="{54819034-E7BF-47AC-AF8E-B872C7EB5C2E}" type="slidenum">
               <a:t>&lt;#&gt;</a:t>
             </a:fld>
           </a:p>
@@ -20511,7 +20511,7 @@
         <p:txBody>
           <a:bodyPr/>
           <a:p>
-            <a:fld id="{93C62661-F474-438A-8FA5-3A7EDF825DAD}" type="slidenum">
+            <a:fld id="{6E6F3A8C-5226-42FC-8B89-F86E2CC9B467}" type="slidenum">
               <a:t>&lt;#&gt;</a:t>
             </a:fld>
           </a:p>
@@ -20678,7 +20678,7 @@
         <p:txBody>
           <a:bodyPr/>
           <a:p>
-            <a:fld id="{07E6FE16-80AA-472A-9E2A-AC14CBE90E1B}" type="slidenum">
+            <a:fld id="{23340C84-F947-4C57-9C56-14EFB2C5AD7A}" type="slidenum">
               <a:t>&lt;#&gt;</a:t>
             </a:fld>
           </a:p>
@@ -20777,7 +20777,7 @@
         <p:txBody>
           <a:bodyPr/>
           <a:p>
-            <a:fld id="{6935AEBF-DFDB-434D-AC9C-7040E464418C}" type="slidenum">
+            <a:fld id="{54379F62-1937-4318-B4EC-AB6255D23DCA}" type="slidenum">
               <a:t>&lt;#&gt;</a:t>
             </a:fld>
           </a:p>
@@ -21037,7 +21037,7 @@
         <p:txBody>
           <a:bodyPr/>
           <a:p>
-            <a:fld id="{64C31A8F-9FA0-475F-AEB1-B4767EC7E458}" type="slidenum">
+            <a:fld id="{6FE6F0B4-B5BA-483E-A409-93FB4C68FC71}" type="slidenum">
               <a:t>&lt;#&gt;</a:t>
             </a:fld>
           </a:p>
@@ -21238,7 +21238,7 @@
         <p:txBody>
           <a:bodyPr/>
           <a:p>
-            <a:fld id="{6D5C37B1-2EBE-41E9-A9C3-A9E554ADAB23}" type="slidenum">
+            <a:fld id="{3E707BAD-6F44-4354-94B2-C14F73F52FEA}" type="slidenum">
               <a:t>&lt;#&gt;</a:t>
             </a:fld>
           </a:p>
@@ -21439,7 +21439,7 @@
         <p:txBody>
           <a:bodyPr/>
           <a:p>
-            <a:fld id="{861E1A5B-8D76-4E3C-B2B5-0714404D0C7E}" type="slidenum">
+            <a:fld id="{A14089A8-33ED-4E19-9836-B7CD90B59D8C}" type="slidenum">
               <a:t>&lt;#&gt;</a:t>
             </a:fld>
           </a:p>
@@ -21640,7 +21640,7 @@
         <p:txBody>
           <a:bodyPr/>
           <a:p>
-            <a:fld id="{8C565DBD-D537-4617-A539-23B96817DD16}" type="slidenum">
+            <a:fld id="{B48B4332-EC9E-4BFE-B2C7-C7570C37AA6C}" type="slidenum">
               <a:t>&lt;#&gt;</a:t>
             </a:fld>
           </a:p>
@@ -21807,7 +21807,7 @@
         <p:txBody>
           <a:bodyPr/>
           <a:p>
-            <a:fld id="{2B1398C6-22F6-4B96-A7B5-4629F86309BE}" type="slidenum">
+            <a:fld id="{A4466054-0C57-4CEE-ADDF-A23C4559461C}" type="slidenum">
               <a:t>&lt;#&gt;</a:t>
             </a:fld>
           </a:p>
@@ -22042,7 +22042,7 @@
         <p:txBody>
           <a:bodyPr/>
           <a:p>
-            <a:fld id="{B02F1A40-798C-4D1D-96DF-2F1CF037E520}" type="slidenum">
+            <a:fld id="{63FBA5AC-01CF-45F4-9172-EE552F44CB13}" type="slidenum">
               <a:t>&lt;#&gt;</a:t>
             </a:fld>
           </a:p>
@@ -22345,7 +22345,7 @@
         <p:txBody>
           <a:bodyPr/>
           <a:p>
-            <a:fld id="{0BC43D5C-1673-4B0D-B411-C649A8733F48}" type="slidenum">
+            <a:fld id="{B1569434-C123-4BA7-9A14-3DB833C8E560}" type="slidenum">
               <a:t>&lt;#&gt;</a:t>
             </a:fld>
           </a:p>
@@ -22599,8 +22599,8 @@
         </p:nvSpPr>
         <p:spPr>
           <a:xfrm rot="10431600">
-            <a:off x="8398440" y="4155840"/>
-            <a:ext cx="3960360" cy="2909520"/>
+            <a:off x="8398800" y="4155840"/>
+            <a:ext cx="3960000" cy="2909160"/>
           </a:xfrm>
           <a:custGeom>
             <a:avLst/>
@@ -22649,8 +22649,8 @@
         </p:nvSpPr>
         <p:spPr>
           <a:xfrm rot="13235400">
-            <a:off x="6807240" y="-837000"/>
-            <a:ext cx="7518960" cy="3714840"/>
+            <a:off x="6807240" y="-836280"/>
+            <a:ext cx="7518600" cy="3714480"/>
           </a:xfrm>
           <a:custGeom>
             <a:avLst/>
@@ -22696,8 +22696,8 @@
         </p:nvSpPr>
         <p:spPr>
           <a:xfrm rot="10800000">
-            <a:off x="-238320" y="5718960"/>
-            <a:ext cx="7493400" cy="1150560"/>
+            <a:off x="-237960" y="5718960"/>
+            <a:ext cx="7493040" cy="1150200"/>
           </a:xfrm>
           <a:custGeom>
             <a:avLst/>
@@ -22746,8 +22746,8 @@
         </p:nvSpPr>
         <p:spPr>
           <a:xfrm rot="7076400">
-            <a:off x="-2918160" y="601560"/>
-            <a:ext cx="7976160" cy="4616640"/>
+            <a:off x="-2917440" y="601560"/>
+            <a:ext cx="7975800" cy="4616280"/>
           </a:xfrm>
           <a:custGeom>
             <a:avLst/>
@@ -22800,7 +22800,7 @@
         <p:spPr>
           <a:xfrm>
             <a:off x="1567800" y="0"/>
-            <a:ext cx="2937600" cy="613440"/>
+            <a:ext cx="2937240" cy="613080"/>
           </a:xfrm>
           <a:custGeom>
             <a:avLst/>
@@ -22862,8 +22862,8 @@
         </p:nvSpPr>
         <p:spPr>
           <a:xfrm rot="10800000">
-            <a:off x="5922720" y="189000"/>
-            <a:ext cx="347400" cy="347400"/>
+            <a:off x="5923080" y="189000"/>
+            <a:ext cx="347040" cy="347040"/>
           </a:xfrm>
           <a:prstGeom prst="blockArc">
             <a:avLst>
@@ -23173,7 +23173,7 @@
         <p:spPr>
           <a:xfrm>
             <a:off x="0" y="0"/>
-            <a:ext cx="3384720" cy="491760"/>
+            <a:ext cx="3384360" cy="491400"/>
           </a:xfrm>
           <a:custGeom>
             <a:avLst/>
@@ -23231,7 +23231,7 @@
         <p:spPr>
           <a:xfrm>
             <a:off x="0" y="5403960"/>
-            <a:ext cx="1947600" cy="1453320"/>
+            <a:ext cx="1947240" cy="1452960"/>
           </a:xfrm>
           <a:custGeom>
             <a:avLst/>
@@ -23288,8 +23288,8 @@
         </p:nvSpPr>
         <p:spPr>
           <a:xfrm flipV="1" rot="10800000">
-            <a:off x="10996200" y="0"/>
-            <a:ext cx="1217160" cy="1324080"/>
+            <a:off x="10996560" y="-360"/>
+            <a:ext cx="1216800" cy="1323720"/>
           </a:xfrm>
           <a:custGeom>
             <a:avLst/>
@@ -23353,7 +23353,7 @@
         <p:spPr>
           <a:xfrm>
             <a:off x="9467640" y="6369480"/>
-            <a:ext cx="2354760" cy="487800"/>
+            <a:ext cx="2354400" cy="487440"/>
           </a:xfrm>
           <a:custGeom>
             <a:avLst/>
@@ -23420,8 +23420,8 @@
         </p:nvSpPr>
         <p:spPr>
           <a:xfrm rot="10800000">
-            <a:off x="5922720" y="189000"/>
-            <a:ext cx="347400" cy="347400"/>
+            <a:off x="5923080" y="189000"/>
+            <a:ext cx="347040" cy="347040"/>
           </a:xfrm>
           <a:prstGeom prst="blockArc">
             <a:avLst>
@@ -23465,7 +23465,7 @@
         <p:spPr>
           <a:xfrm>
             <a:off x="6594120" y="155520"/>
-            <a:ext cx="4164120" cy="470880"/>
+            <a:ext cx="4163760" cy="470520"/>
           </a:xfrm>
           <a:prstGeom prst="rect">
             <a:avLst/>
@@ -23485,7 +23485,7 @@
                 <a:spcPct val="100000"/>
               </a:lnSpc>
               <a:buNone/>
-              <a:defRPr b="0" lang="en-US" sz="1200" spc="296" strike="noStrike">
+              <a:defRPr b="0" lang="en-US" sz="1200" spc="293" strike="noStrike">
                 <a:solidFill>
                   <a:srgbClr val="000000"/>
                 </a:solidFill>
@@ -23501,7 +23501,7 @@
               <a:buNone/>
             </a:pPr>
             <a:r>
-              <a:rPr b="0" lang="en-US" sz="1200" spc="296" strike="noStrike">
+              <a:rPr b="0" lang="en-US" sz="1200" spc="293" strike="noStrike">
                 <a:solidFill>
                   <a:srgbClr val="000000"/>
                 </a:solidFill>
@@ -23528,7 +23528,7 @@
         <p:spPr>
           <a:xfrm>
             <a:off x="11143080" y="155520"/>
-            <a:ext cx="347400" cy="470880"/>
+            <a:ext cx="347040" cy="470520"/>
           </a:xfrm>
           <a:prstGeom prst="rect">
             <a:avLst/>
@@ -23563,7 +23563,7 @@
               </a:lnSpc>
               <a:buNone/>
             </a:pPr>
-            <a:fld id="{3AC32546-D256-4CC9-BA32-1F2473705A54}" type="slidenum">
+            <a:fld id="{72410AA7-4D15-4A24-A96D-3B2CB66F10D7}" type="slidenum">
               <a:rPr b="1" lang="en-US" sz="1200" spc="-1" strike="noStrike">
                 <a:solidFill>
                   <a:srgbClr val="000000"/>
@@ -23857,7 +23857,7 @@
         <p:spPr>
           <a:xfrm>
             <a:off x="6576120" y="6244200"/>
-            <a:ext cx="5128200" cy="613080"/>
+            <a:ext cx="5127840" cy="612720"/>
           </a:xfrm>
           <a:custGeom>
             <a:avLst/>
@@ -23930,7 +23930,7 @@
         <p:spPr>
           <a:xfrm>
             <a:off x="11450880" y="3547080"/>
-            <a:ext cx="740520" cy="3164040"/>
+            <a:ext cx="740160" cy="3163680"/>
           </a:xfrm>
           <a:custGeom>
             <a:avLst/>
@@ -23992,8 +23992,8 @@
         </p:nvSpPr>
         <p:spPr>
           <a:xfrm rot="10800000">
-            <a:off x="5922720" y="189000"/>
-            <a:ext cx="347400" cy="347400"/>
+            <a:off x="5923080" y="189000"/>
+            <a:ext cx="347040" cy="347040"/>
           </a:xfrm>
           <a:prstGeom prst="blockArc">
             <a:avLst>
@@ -24032,8 +24032,8 @@
         </p:nvSpPr>
         <p:spPr>
           <a:xfrm flipH="1" flipV="1" rot="10800000">
-            <a:off x="-9720" y="3945600"/>
-            <a:ext cx="2853000" cy="2937240"/>
+            <a:off x="-9360" y="3945960"/>
+            <a:ext cx="2852640" cy="2936880"/>
           </a:xfrm>
           <a:custGeom>
             <a:avLst/>
@@ -24083,7 +24083,7 @@
         <p:spPr>
           <a:xfrm>
             <a:off x="9063360" y="0"/>
-            <a:ext cx="3128040" cy="2679120"/>
+            <a:ext cx="3127680" cy="2678760"/>
           </a:xfrm>
           <a:custGeom>
             <a:avLst/>
@@ -24166,7 +24166,7 @@
         <p:spPr>
           <a:xfrm>
             <a:off x="-9720" y="0"/>
-            <a:ext cx="2616840" cy="3477960"/>
+            <a:ext cx="2616480" cy="3477600"/>
           </a:xfrm>
           <a:custGeom>
             <a:avLst/>
@@ -24537,8 +24537,8 @@
         </p:nvSpPr>
         <p:spPr>
           <a:xfrm rot="10800000">
-            <a:off x="5922720" y="189000"/>
-            <a:ext cx="347400" cy="347400"/>
+            <a:off x="5923080" y="189000"/>
+            <a:ext cx="347040" cy="347040"/>
           </a:xfrm>
           <a:prstGeom prst="blockArc">
             <a:avLst>
@@ -24582,7 +24582,7 @@
         <p:spPr>
           <a:xfrm>
             <a:off x="6594120" y="155520"/>
-            <a:ext cx="4164120" cy="470880"/>
+            <a:ext cx="4163760" cy="470520"/>
           </a:xfrm>
           <a:prstGeom prst="rect">
             <a:avLst/>
@@ -24602,7 +24602,7 @@
                 <a:spcPct val="100000"/>
               </a:lnSpc>
               <a:buNone/>
-              <a:defRPr b="0" lang="en-US" sz="1200" spc="296" strike="noStrike">
+              <a:defRPr b="0" lang="en-US" sz="1200" spc="293" strike="noStrike">
                 <a:solidFill>
                   <a:srgbClr val="000000"/>
                 </a:solidFill>
@@ -24618,7 +24618,7 @@
               <a:buNone/>
             </a:pPr>
             <a:r>
-              <a:rPr b="0" lang="en-US" sz="1200" spc="296" strike="noStrike">
+              <a:rPr b="0" lang="en-US" sz="1200" spc="293" strike="noStrike">
                 <a:solidFill>
                   <a:srgbClr val="000000"/>
                 </a:solidFill>
@@ -24645,7 +24645,7 @@
         <p:spPr>
           <a:xfrm>
             <a:off x="11143080" y="155520"/>
-            <a:ext cx="347400" cy="470880"/>
+            <a:ext cx="347040" cy="470520"/>
           </a:xfrm>
           <a:prstGeom prst="rect">
             <a:avLst/>
@@ -24680,7 +24680,7 @@
               </a:lnSpc>
               <a:buNone/>
             </a:pPr>
-            <a:fld id="{61847DCE-3A70-4504-AC1A-F817A71EF315}" type="slidenum">
+            <a:fld id="{CB94DD36-345E-4959-852E-7DE569F6A893}" type="slidenum">
               <a:rPr b="1" lang="en-US" sz="1200" spc="-1" strike="noStrike">
                 <a:solidFill>
                   <a:srgbClr val="000000"/>
@@ -25007,8 +25007,8 @@
         </p:nvSpPr>
         <p:spPr>
           <a:xfrm rot="10800000">
-            <a:off x="5922720" y="189000"/>
-            <a:ext cx="347400" cy="347400"/>
+            <a:off x="5923080" y="189000"/>
+            <a:ext cx="347040" cy="347040"/>
           </a:xfrm>
           <a:prstGeom prst="blockArc">
             <a:avLst>
@@ -25048,7 +25048,7 @@
         <p:spPr>
           <a:xfrm>
             <a:off x="0" y="2304720"/>
-            <a:ext cx="2954160" cy="4552560"/>
+            <a:ext cx="2953800" cy="4552200"/>
           </a:xfrm>
           <a:custGeom>
             <a:avLst/>
@@ -25122,7 +25122,7 @@
         <p:spPr>
           <a:xfrm>
             <a:off x="6594120" y="155520"/>
-            <a:ext cx="4164120" cy="470880"/>
+            <a:ext cx="4163760" cy="470520"/>
           </a:xfrm>
           <a:prstGeom prst="rect">
             <a:avLst/>
@@ -25142,7 +25142,7 @@
                 <a:spcPct val="100000"/>
               </a:lnSpc>
               <a:buNone/>
-              <a:defRPr b="0" lang="en-US" sz="1200" spc="296" strike="noStrike">
+              <a:defRPr b="0" lang="en-US" sz="1200" spc="293" strike="noStrike">
                 <a:solidFill>
                   <a:srgbClr val="000000"/>
                 </a:solidFill>
@@ -25158,7 +25158,7 @@
               <a:buNone/>
             </a:pPr>
             <a:r>
-              <a:rPr b="0" lang="en-US" sz="1200" spc="296" strike="noStrike">
+              <a:rPr b="0" lang="en-US" sz="1200" spc="293" strike="noStrike">
                 <a:solidFill>
                   <a:srgbClr val="000000"/>
                 </a:solidFill>
@@ -25185,7 +25185,7 @@
         <p:spPr>
           <a:xfrm>
             <a:off x="11143080" y="155520"/>
-            <a:ext cx="347400" cy="470880"/>
+            <a:ext cx="347040" cy="470520"/>
           </a:xfrm>
           <a:prstGeom prst="rect">
             <a:avLst/>
@@ -25220,7 +25220,7 @@
               </a:lnSpc>
               <a:buNone/>
             </a:pPr>
-            <a:fld id="{8315379C-3B4F-4313-BAF3-26AC9A72327B}" type="slidenum">
+            <a:fld id="{65A4996B-71FE-420F-8315-331AA8AEA4A4}" type="slidenum">
               <a:rPr b="1" lang="en-US" sz="1200" spc="-1" strike="noStrike">
                 <a:solidFill>
                   <a:srgbClr val="000000"/>
@@ -25514,7 +25514,7 @@
         <p:spPr>
           <a:xfrm>
             <a:off x="0" y="4413600"/>
-            <a:ext cx="2599560" cy="2443680"/>
+            <a:ext cx="2599200" cy="2443320"/>
           </a:xfrm>
           <a:custGeom>
             <a:avLst/>
@@ -25636,8 +25636,8 @@
         </p:nvSpPr>
         <p:spPr>
           <a:xfrm rot="10800000">
-            <a:off x="5922720" y="189000"/>
-            <a:ext cx="347400" cy="347400"/>
+            <a:off x="5923080" y="189000"/>
+            <a:ext cx="347040" cy="347040"/>
           </a:xfrm>
           <a:prstGeom prst="blockArc">
             <a:avLst>
@@ -25681,7 +25681,7 @@
         <p:spPr>
           <a:xfrm>
             <a:off x="6594120" y="155520"/>
-            <a:ext cx="4164120" cy="470880"/>
+            <a:ext cx="4163760" cy="470520"/>
           </a:xfrm>
           <a:prstGeom prst="rect">
             <a:avLst/>
@@ -25701,7 +25701,7 @@
                 <a:spcPct val="100000"/>
               </a:lnSpc>
               <a:buNone/>
-              <a:defRPr b="0" lang="en-US" sz="1200" spc="296" strike="noStrike">
+              <a:defRPr b="0" lang="en-US" sz="1200" spc="293" strike="noStrike">
                 <a:solidFill>
                   <a:srgbClr val="000000"/>
                 </a:solidFill>
@@ -25717,7 +25717,7 @@
               <a:buNone/>
             </a:pPr>
             <a:r>
-              <a:rPr b="0" lang="en-US" sz="1200" spc="296" strike="noStrike">
+              <a:rPr b="0" lang="en-US" sz="1200" spc="293" strike="noStrike">
                 <a:solidFill>
                   <a:srgbClr val="000000"/>
                 </a:solidFill>
@@ -25744,7 +25744,7 @@
         <p:spPr>
           <a:xfrm>
             <a:off x="11143080" y="155520"/>
-            <a:ext cx="347400" cy="470880"/>
+            <a:ext cx="347040" cy="470520"/>
           </a:xfrm>
           <a:prstGeom prst="rect">
             <a:avLst/>
@@ -25779,7 +25779,7 @@
               </a:lnSpc>
               <a:buNone/>
             </a:pPr>
-            <a:fld id="{F6A3C670-0F0C-4EAA-B47F-7D86D1BAC640}" type="slidenum">
+            <a:fld id="{5FC63195-2624-4081-8D1A-4B02BF2C5253}" type="slidenum">
               <a:rPr b="1" lang="en-US" sz="1200" spc="-1" strike="noStrike">
                 <a:solidFill>
                   <a:srgbClr val="000000"/>
@@ -26072,8 +26072,8 @@
         </p:nvSpPr>
         <p:spPr>
           <a:xfrm flipH="1" rot="5400000">
-            <a:off x="1387080" y="4556520"/>
-            <a:ext cx="913680" cy="3689280"/>
+            <a:off x="1386360" y="4556880"/>
+            <a:ext cx="913320" cy="3688920"/>
           </a:xfrm>
           <a:custGeom>
             <a:avLst/>
@@ -26177,8 +26177,8 @@
         </p:nvSpPr>
         <p:spPr>
           <a:xfrm rot="10800000">
-            <a:off x="5922720" y="189000"/>
-            <a:ext cx="347400" cy="347400"/>
+            <a:off x="5923080" y="189000"/>
+            <a:ext cx="347040" cy="347040"/>
           </a:xfrm>
           <a:prstGeom prst="blockArc">
             <a:avLst>
@@ -26222,7 +26222,7 @@
         <p:spPr>
           <a:xfrm>
             <a:off x="6594120" y="155520"/>
-            <a:ext cx="4164120" cy="470880"/>
+            <a:ext cx="4163760" cy="470520"/>
           </a:xfrm>
           <a:prstGeom prst="rect">
             <a:avLst/>
@@ -26242,7 +26242,7 @@
                 <a:spcPct val="100000"/>
               </a:lnSpc>
               <a:buNone/>
-              <a:defRPr b="0" lang="en-US" sz="1200" spc="296" strike="noStrike">
+              <a:defRPr b="0" lang="en-US" sz="1200" spc="293" strike="noStrike">
                 <a:solidFill>
                   <a:srgbClr val="000000"/>
                 </a:solidFill>
@@ -26258,7 +26258,7 @@
               <a:buNone/>
             </a:pPr>
             <a:r>
-              <a:rPr b="0" lang="en-US" sz="1200" spc="296" strike="noStrike">
+              <a:rPr b="0" lang="en-US" sz="1200" spc="293" strike="noStrike">
                 <a:solidFill>
                   <a:srgbClr val="000000"/>
                 </a:solidFill>
@@ -26285,7 +26285,7 @@
         <p:spPr>
           <a:xfrm>
             <a:off x="11143080" y="155520"/>
-            <a:ext cx="347400" cy="470880"/>
+            <a:ext cx="347040" cy="470520"/>
           </a:xfrm>
           <a:prstGeom prst="rect">
             <a:avLst/>
@@ -26320,7 +26320,7 @@
               </a:lnSpc>
               <a:buNone/>
             </a:pPr>
-            <a:fld id="{70F6533C-36AF-434A-BF64-2C2F2EC02E49}" type="slidenum">
+            <a:fld id="{93EF64A1-A6E7-40D9-B574-A03C52307BFF}" type="slidenum">
               <a:rPr b="1" lang="en-US" sz="1200" spc="-1" strike="noStrike">
                 <a:solidFill>
                   <a:srgbClr val="000000"/>
@@ -26614,7 +26614,7 @@
         <p:spPr>
           <a:xfrm>
             <a:off x="0" y="3810600"/>
-            <a:ext cx="3504960" cy="3046680"/>
+            <a:ext cx="3504600" cy="3046320"/>
           </a:xfrm>
           <a:custGeom>
             <a:avLst/>
@@ -26718,8 +26718,8 @@
         </p:nvSpPr>
         <p:spPr>
           <a:xfrm rot="10800000">
-            <a:off x="5922720" y="189000"/>
-            <a:ext cx="347400" cy="347400"/>
+            <a:off x="5923080" y="189000"/>
+            <a:ext cx="347040" cy="347040"/>
           </a:xfrm>
           <a:prstGeom prst="blockArc">
             <a:avLst>
@@ -26763,7 +26763,7 @@
         <p:spPr>
           <a:xfrm>
             <a:off x="6594120" y="155520"/>
-            <a:ext cx="4164120" cy="470880"/>
+            <a:ext cx="4163760" cy="470520"/>
           </a:xfrm>
           <a:prstGeom prst="rect">
             <a:avLst/>
@@ -26783,7 +26783,7 @@
                 <a:spcPct val="100000"/>
               </a:lnSpc>
               <a:buNone/>
-              <a:defRPr b="0" lang="en-US" sz="1200" spc="296" strike="noStrike">
+              <a:defRPr b="0" lang="en-US" sz="1200" spc="293" strike="noStrike">
                 <a:solidFill>
                   <a:srgbClr val="000000"/>
                 </a:solidFill>
@@ -26799,7 +26799,7 @@
               <a:buNone/>
             </a:pPr>
             <a:r>
-              <a:rPr b="0" lang="en-US" sz="1200" spc="296" strike="noStrike">
+              <a:rPr b="0" lang="en-US" sz="1200" spc="293" strike="noStrike">
                 <a:solidFill>
                   <a:srgbClr val="000000"/>
                 </a:solidFill>
@@ -26826,7 +26826,7 @@
         <p:spPr>
           <a:xfrm>
             <a:off x="11143080" y="155520"/>
-            <a:ext cx="347400" cy="470880"/>
+            <a:ext cx="347040" cy="470520"/>
           </a:xfrm>
           <a:prstGeom prst="rect">
             <a:avLst/>
@@ -26861,7 +26861,7 @@
               </a:lnSpc>
               <a:buNone/>
             </a:pPr>
-            <a:fld id="{A1E350A6-E31C-4605-8FAB-9D8B1A67F008}" type="slidenum">
+            <a:fld id="{14AF9440-82C9-4345-A2B3-089EB75DABEC}" type="slidenum">
               <a:rPr b="1" lang="en-US" sz="1200" spc="-1" strike="noStrike">
                 <a:solidFill>
                   <a:srgbClr val="000000"/>
@@ -27155,7 +27155,7 @@
         <p:spPr>
           <a:xfrm>
             <a:off x="8906400" y="4719960"/>
-            <a:ext cx="3285000" cy="2137320"/>
+            <a:ext cx="3284640" cy="2136960"/>
           </a:xfrm>
           <a:custGeom>
             <a:avLst/>
@@ -27246,8 +27246,8 @@
         </p:nvSpPr>
         <p:spPr>
           <a:xfrm rot="10800000">
-            <a:off x="5922720" y="189000"/>
-            <a:ext cx="347400" cy="347400"/>
+            <a:off x="5923080" y="189000"/>
+            <a:ext cx="347040" cy="347040"/>
           </a:xfrm>
           <a:prstGeom prst="blockArc">
             <a:avLst>
@@ -27291,7 +27291,7 @@
         <p:spPr>
           <a:xfrm>
             <a:off x="6594120" y="155520"/>
-            <a:ext cx="4164120" cy="470880"/>
+            <a:ext cx="4163760" cy="470520"/>
           </a:xfrm>
           <a:prstGeom prst="rect">
             <a:avLst/>
@@ -27311,7 +27311,7 @@
                 <a:spcPct val="100000"/>
               </a:lnSpc>
               <a:buNone/>
-              <a:defRPr b="0" lang="en-US" sz="1200" spc="296" strike="noStrike">
+              <a:defRPr b="0" lang="en-US" sz="1200" spc="293" strike="noStrike">
                 <a:solidFill>
                   <a:srgbClr val="000000"/>
                 </a:solidFill>
@@ -27327,7 +27327,7 @@
               <a:buNone/>
             </a:pPr>
             <a:r>
-              <a:rPr b="0" lang="en-US" sz="1200" spc="296" strike="noStrike">
+              <a:rPr b="0" lang="en-US" sz="1200" spc="293" strike="noStrike">
                 <a:solidFill>
                   <a:srgbClr val="000000"/>
                 </a:solidFill>
@@ -27354,7 +27354,7 @@
         <p:spPr>
           <a:xfrm>
             <a:off x="11143080" y="155520"/>
-            <a:ext cx="347400" cy="470880"/>
+            <a:ext cx="347040" cy="470520"/>
           </a:xfrm>
           <a:prstGeom prst="rect">
             <a:avLst/>
@@ -27389,7 +27389,7 @@
               </a:lnSpc>
               <a:buNone/>
             </a:pPr>
-            <a:fld id="{B5F84790-E59E-4BFE-AB02-4DC14B364AF0}" type="slidenum">
+            <a:fld id="{72F57923-4A88-462C-8E39-AE23C70C0456}" type="slidenum">
               <a:rPr b="1" lang="en-US" sz="1200" spc="-1" strike="noStrike">
                 <a:solidFill>
                   <a:srgbClr val="000000"/>
@@ -27682,8 +27682,8 @@
         </p:nvSpPr>
         <p:spPr>
           <a:xfrm rot="16200000">
-            <a:off x="45000" y="5587200"/>
-            <a:ext cx="1217160" cy="1324080"/>
+            <a:off x="44640" y="5587560"/>
+            <a:ext cx="1216800" cy="1323720"/>
           </a:xfrm>
           <a:custGeom>
             <a:avLst/>
@@ -27746,8 +27746,8 @@
         </p:nvSpPr>
         <p:spPr>
           <a:xfrm flipH="1" rot="5400000">
-            <a:off x="441360" y="-449280"/>
-            <a:ext cx="1017360" cy="1918440"/>
+            <a:off x="441000" y="-448560"/>
+            <a:ext cx="1017000" cy="1918080"/>
           </a:xfrm>
           <a:custGeom>
             <a:avLst/>
@@ -27804,8 +27804,8 @@
         </p:nvSpPr>
         <p:spPr>
           <a:xfrm flipH="1" flipV="1">
-            <a:off x="10242720" y="-360"/>
-            <a:ext cx="1947600" cy="1453320"/>
+            <a:off x="10242000" y="0"/>
+            <a:ext cx="1947240" cy="1452960"/>
           </a:xfrm>
           <a:custGeom>
             <a:avLst/>
@@ -27862,8 +27862,8 @@
         </p:nvSpPr>
         <p:spPr>
           <a:xfrm rot="10800000">
-            <a:off x="7248960" y="5856480"/>
-            <a:ext cx="4943160" cy="1001520"/>
+            <a:off x="7249320" y="5856840"/>
+            <a:ext cx="4942800" cy="1001160"/>
           </a:xfrm>
           <a:custGeom>
             <a:avLst/>
@@ -27930,8 +27930,8 @@
         </p:nvSpPr>
         <p:spPr>
           <a:xfrm rot="10800000">
-            <a:off x="5922720" y="189000"/>
-            <a:ext cx="347400" cy="347400"/>
+            <a:off x="5923080" y="189000"/>
+            <a:ext cx="347040" cy="347040"/>
           </a:xfrm>
           <a:prstGeom prst="blockArc">
             <a:avLst>
@@ -27975,7 +27975,7 @@
         <p:spPr>
           <a:xfrm>
             <a:off x="6594120" y="155520"/>
-            <a:ext cx="4164120" cy="470880"/>
+            <a:ext cx="4163760" cy="470520"/>
           </a:xfrm>
           <a:prstGeom prst="rect">
             <a:avLst/>
@@ -27995,7 +27995,7 @@
                 <a:spcPct val="100000"/>
               </a:lnSpc>
               <a:buNone/>
-              <a:defRPr b="0" lang="en-US" sz="1200" spc="296" strike="noStrike">
+              <a:defRPr b="0" lang="en-US" sz="1200" spc="293" strike="noStrike">
                 <a:solidFill>
                   <a:srgbClr val="000000"/>
                 </a:solidFill>
@@ -28011,7 +28011,7 @@
               <a:buNone/>
             </a:pPr>
             <a:r>
-              <a:rPr b="0" lang="en-US" sz="1200" spc="296" strike="noStrike">
+              <a:rPr b="0" lang="en-US" sz="1200" spc="293" strike="noStrike">
                 <a:solidFill>
                   <a:srgbClr val="000000"/>
                 </a:solidFill>
@@ -28038,7 +28038,7 @@
         <p:spPr>
           <a:xfrm>
             <a:off x="11143080" y="155520"/>
-            <a:ext cx="347400" cy="470880"/>
+            <a:ext cx="347040" cy="470520"/>
           </a:xfrm>
           <a:prstGeom prst="rect">
             <a:avLst/>
@@ -28073,7 +28073,7 @@
               </a:lnSpc>
               <a:buNone/>
             </a:pPr>
-            <a:fld id="{00A93503-5CC3-411B-84DA-0107E60274A2}" type="slidenum">
+            <a:fld id="{B778611E-DEC7-4757-BB6F-6D87F66A23A6}" type="slidenum">
               <a:rPr b="1" lang="en-US" sz="1200" spc="-1" strike="noStrike">
                 <a:solidFill>
                   <a:srgbClr val="000000"/>
@@ -28367,7 +28367,7 @@
         <p:spPr>
           <a:xfrm>
             <a:off x="10451160" y="0"/>
-            <a:ext cx="1739880" cy="2451600"/>
+            <a:ext cx="1739520" cy="2451240"/>
           </a:xfrm>
           <a:custGeom>
             <a:avLst/>
@@ -28424,8 +28424,8 @@
         </p:nvSpPr>
         <p:spPr>
           <a:xfrm flipV="1" rot="10800000">
-            <a:off x="4605840" y="0"/>
-            <a:ext cx="7493400" cy="1806480"/>
+            <a:off x="4606200" y="-360"/>
+            <a:ext cx="7493040" cy="1806120"/>
           </a:xfrm>
           <a:custGeom>
             <a:avLst/>
@@ -28475,7 +28475,7 @@
         <p:spPr>
           <a:xfrm flipV="1">
             <a:off x="580320" y="5884920"/>
-            <a:ext cx="3500280" cy="971640"/>
+            <a:ext cx="3499920" cy="971280"/>
           </a:xfrm>
           <a:custGeom>
             <a:avLst/>
@@ -28541,7 +28541,7 @@
         <p:spPr>
           <a:xfrm>
             <a:off x="8558640" y="4948920"/>
-            <a:ext cx="3632400" cy="1908360"/>
+            <a:ext cx="3632040" cy="1908000"/>
           </a:xfrm>
           <a:custGeom>
             <a:avLst/>
@@ -28609,7 +28609,7 @@
         <p:spPr>
           <a:xfrm>
             <a:off x="0" y="0"/>
-            <a:ext cx="1990440" cy="4571280"/>
+            <a:ext cx="1990080" cy="4570920"/>
           </a:xfrm>
           <a:custGeom>
             <a:avLst/>
@@ -28699,8 +28699,8 @@
         </p:nvSpPr>
         <p:spPr>
           <a:xfrm rot="10800000">
-            <a:off x="5922720" y="189000"/>
-            <a:ext cx="347400" cy="347400"/>
+            <a:off x="5923080" y="189000"/>
+            <a:ext cx="347040" cy="347040"/>
           </a:xfrm>
           <a:prstGeom prst="blockArc">
             <a:avLst>
